--- a/Final_Project/Project Proposal/Project-Proposal-Presentation.pptx
+++ b/Final_Project/Project Proposal/Project-Proposal-Presentation.pptx
@@ -5,21 +5,20 @@
     <p:sldMasterId id="2147483666" r:id="rId4"/>
   </p:sldMasterIdLst>
   <p:notesMasterIdLst>
-    <p:notesMasterId r:id="rId14"/>
+    <p:notesMasterId r:id="rId13"/>
   </p:notesMasterIdLst>
   <p:handoutMasterIdLst>
-    <p:handoutMasterId r:id="rId15"/>
+    <p:handoutMasterId r:id="rId14"/>
   </p:handoutMasterIdLst>
   <p:sldIdLst>
     <p:sldId id="256" r:id="rId5"/>
     <p:sldId id="257" r:id="rId6"/>
     <p:sldId id="258" r:id="rId7"/>
-    <p:sldId id="259" r:id="rId8"/>
-    <p:sldId id="260" r:id="rId9"/>
-    <p:sldId id="261" r:id="rId10"/>
-    <p:sldId id="262" r:id="rId11"/>
-    <p:sldId id="263" r:id="rId12"/>
-    <p:sldId id="264" r:id="rId13"/>
+    <p:sldId id="260" r:id="rId8"/>
+    <p:sldId id="261" r:id="rId9"/>
+    <p:sldId id="262" r:id="rId10"/>
+    <p:sldId id="263" r:id="rId11"/>
+    <p:sldId id="264" r:id="rId12"/>
   </p:sldIdLst>
   <p:sldSz cx="12192000" cy="6858000"/>
   <p:notesSz cx="6858000" cy="9144000"/>
@@ -254,7 +253,7 @@
           <a:p>
             <a:fld id="{F352A77B-D33C-49B3-A83C-450AA2ED72B3}" type="datetimeFigureOut">
               <a:rPr lang="en-US" smtClean="0"/>
-              <a:t>11/6/2023</a:t>
+              <a:t>11/7/2023</a:t>
             </a:fld>
             <a:endParaRPr lang="en-US" dirty="0"/>
           </a:p>
@@ -431,7 +430,7 @@
           <a:p>
             <a:fld id="{E38D8F9A-F5CB-4EF8-A859-ED5E107B9763}" type="datetimeFigureOut">
               <a:rPr lang="en-US" smtClean="0"/>
-              <a:t>11/6/2023</a:t>
+              <a:t>11/7/2023</a:t>
             </a:fld>
             <a:endParaRPr lang="en-US" dirty="0"/>
           </a:p>
@@ -17226,8 +17225,34 @@
 </file>
 
 <file path=ppt/slides/slide1.xml><?xml version="1.0" encoding="utf-8"?>
-<p:sld xmlns:a="http://schemas.openxmlformats.org/drawingml/2006/main" xmlns:r="http://schemas.openxmlformats.org/officeDocument/2006/relationships" xmlns:p="http://schemas.openxmlformats.org/presentationml/2006/main">
+<p:sld xmlns:a="http://schemas.openxmlformats.org/drawingml/2006/main" xmlns:r="http://schemas.openxmlformats.org/officeDocument/2006/relationships" xmlns:p="http://schemas.openxmlformats.org/presentationml/2006/main" showMasterSp="0">
   <p:cSld>
+    <p:bg>
+      <p:bgPr>
+        <a:gradFill flip="none" rotWithShape="1">
+          <a:gsLst>
+            <a:gs pos="0">
+              <a:schemeClr val="accent4">
+                <a:lumMod val="0"/>
+                <a:lumOff val="100000"/>
+              </a:schemeClr>
+            </a:gs>
+            <a:gs pos="37000">
+              <a:schemeClr val="accent4">
+                <a:lumMod val="0"/>
+                <a:lumOff val="100000"/>
+              </a:schemeClr>
+            </a:gs>
+            <a:gs pos="83000">
+              <a:srgbClr val="0070C0"/>
+            </a:gs>
+          </a:gsLst>
+          <a:lin ang="2700000" scaled="1"/>
+          <a:tileRect/>
+        </a:gradFill>
+        <a:effectLst/>
+      </p:bgPr>
+    </p:bg>
     <p:spTree>
       <p:nvGrpSpPr>
         <p:cNvPr id="1" name=""/>
@@ -17260,7 +17285,7 @@
         </p:nvSpPr>
         <p:spPr>
           <a:xfrm>
-            <a:off x="2106706" y="3110754"/>
+            <a:off x="773206" y="1034304"/>
             <a:ext cx="9251105" cy="2007018"/>
           </a:xfrm>
         </p:spPr>
@@ -17293,7 +17318,7 @@
         </p:nvSpPr>
         <p:spPr>
           <a:xfrm>
-            <a:off x="7491806" y="5622749"/>
+            <a:off x="773206" y="3420019"/>
             <a:ext cx="3561677" cy="396660"/>
           </a:xfrm>
         </p:spPr>
@@ -17323,8 +17348,34 @@
 </file>
 
 <file path=ppt/slides/slide2.xml><?xml version="1.0" encoding="utf-8"?>
-<p:sld xmlns:a="http://schemas.openxmlformats.org/drawingml/2006/main" xmlns:r="http://schemas.openxmlformats.org/officeDocument/2006/relationships" xmlns:p="http://schemas.openxmlformats.org/presentationml/2006/main">
+<p:sld xmlns:a="http://schemas.openxmlformats.org/drawingml/2006/main" xmlns:r="http://schemas.openxmlformats.org/officeDocument/2006/relationships" xmlns:p="http://schemas.openxmlformats.org/presentationml/2006/main" showMasterSp="0">
   <p:cSld>
+    <p:bg>
+      <p:bgPr>
+        <a:gradFill flip="none" rotWithShape="1">
+          <a:gsLst>
+            <a:gs pos="0">
+              <a:schemeClr val="accent4">
+                <a:lumMod val="0"/>
+                <a:lumOff val="100000"/>
+              </a:schemeClr>
+            </a:gs>
+            <a:gs pos="37000">
+              <a:schemeClr val="accent4">
+                <a:lumMod val="0"/>
+                <a:lumOff val="100000"/>
+              </a:schemeClr>
+            </a:gs>
+            <a:gs pos="83000">
+              <a:srgbClr val="0070C0"/>
+            </a:gs>
+          </a:gsLst>
+          <a:lin ang="2700000" scaled="1"/>
+          <a:tileRect/>
+        </a:gradFill>
+        <a:effectLst/>
+      </p:bgPr>
+    </p:bg>
     <p:spTree>
       <p:nvGrpSpPr>
         <p:cNvPr id="1" name=""/>
@@ -17370,12 +17421,20 @@
             <p:ph idx="1"/>
           </p:nvPr>
         </p:nvSpPr>
-        <p:spPr/>
-        <p:txBody>
-          <a:bodyPr/>
+        <p:spPr>
+          <a:xfrm>
+            <a:off x="1333499" y="2924176"/>
+            <a:ext cx="4991101" cy="2190750"/>
+          </a:xfrm>
+        </p:spPr>
+        <p:txBody>
+          <a:bodyPr>
+            <a:normAutofit/>
+          </a:bodyPr>
           <a:lstStyle/>
           <a:p>
             <a:r>
+              <a:rPr sz="1600" dirty="0"/>
               <a:t>Proposal for augmenting Lidar with an additional sensor to enhance autonomous vehicle safety and decision-making through sensor fusion. Aims to evaluate the effectiveness of multi-sensor integration in improving obstacle detection in simulated environments.</a:t>
             </a:r>
           </a:p>
@@ -17390,8 +17449,34 @@
 </file>
 
 <file path=ppt/slides/slide3.xml><?xml version="1.0" encoding="utf-8"?>
-<p:sld xmlns:a="http://schemas.openxmlformats.org/drawingml/2006/main" xmlns:r="http://schemas.openxmlformats.org/officeDocument/2006/relationships" xmlns:p="http://schemas.openxmlformats.org/presentationml/2006/main">
+<p:sld xmlns:a="http://schemas.openxmlformats.org/drawingml/2006/main" xmlns:r="http://schemas.openxmlformats.org/officeDocument/2006/relationships" xmlns:p="http://schemas.openxmlformats.org/presentationml/2006/main" showMasterSp="0">
   <p:cSld>
+    <p:bg>
+      <p:bgPr>
+        <a:gradFill flip="none" rotWithShape="1">
+          <a:gsLst>
+            <a:gs pos="0">
+              <a:schemeClr val="accent4">
+                <a:lumMod val="0"/>
+                <a:lumOff val="100000"/>
+              </a:schemeClr>
+            </a:gs>
+            <a:gs pos="37000">
+              <a:schemeClr val="accent4">
+                <a:lumMod val="0"/>
+                <a:lumOff val="100000"/>
+              </a:schemeClr>
+            </a:gs>
+            <a:gs pos="83000">
+              <a:srgbClr val="0070C0"/>
+            </a:gs>
+          </a:gsLst>
+          <a:lin ang="2700000" scaled="1"/>
+          <a:tileRect/>
+        </a:gradFill>
+        <a:effectLst/>
+      </p:bgPr>
+    </p:bg>
     <p:spTree>
       <p:nvGrpSpPr>
         <p:cNvPr id="1" name=""/>
@@ -17438,12 +17523,20 @@
             <p:ph idx="1"/>
           </p:nvPr>
         </p:nvSpPr>
-        <p:spPr/>
-        <p:txBody>
-          <a:bodyPr/>
+        <p:spPr>
+          <a:xfrm>
+            <a:off x="1333499" y="2924175"/>
+            <a:ext cx="4038601" cy="3124200"/>
+          </a:xfrm>
+        </p:spPr>
+        <p:txBody>
+          <a:bodyPr>
+            <a:normAutofit/>
+          </a:bodyPr>
           <a:lstStyle/>
           <a:p>
             <a:r>
+              <a:rPr sz="1600" dirty="0"/>
               <a:t>Background on reliance of self-driving cars on Lidar. Problem statement addressing the accuracy issues with single-sensor systems. Objectives include measuring Lidar accuracy, integrating additional sensors, and creating a simulation to demonstrate improved detection capabilities.</a:t>
             </a:r>
           </a:p>
@@ -17458,8 +17551,34 @@
 </file>
 
 <file path=ppt/slides/slide4.xml><?xml version="1.0" encoding="utf-8"?>
-<p:sld xmlns:a="http://schemas.openxmlformats.org/drawingml/2006/main" xmlns:r="http://schemas.openxmlformats.org/officeDocument/2006/relationships" xmlns:p="http://schemas.openxmlformats.org/presentationml/2006/main">
+<p:sld xmlns:a="http://schemas.openxmlformats.org/drawingml/2006/main" xmlns:r="http://schemas.openxmlformats.org/officeDocument/2006/relationships" xmlns:p="http://schemas.openxmlformats.org/presentationml/2006/main" showMasterSp="0">
   <p:cSld>
+    <p:bg>
+      <p:bgPr>
+        <a:gradFill flip="none" rotWithShape="1">
+          <a:gsLst>
+            <a:gs pos="0">
+              <a:schemeClr val="accent4">
+                <a:lumMod val="0"/>
+                <a:lumOff val="100000"/>
+              </a:schemeClr>
+            </a:gs>
+            <a:gs pos="37000">
+              <a:schemeClr val="accent4">
+                <a:lumMod val="0"/>
+                <a:lumOff val="100000"/>
+              </a:schemeClr>
+            </a:gs>
+            <a:gs pos="83000">
+              <a:srgbClr val="0070C0"/>
+            </a:gs>
+          </a:gsLst>
+          <a:lin ang="2700000" scaled="1"/>
+          <a:tileRect/>
+        </a:gradFill>
+        <a:effectLst/>
+      </p:bgPr>
+    </p:bg>
     <p:spTree>
       <p:nvGrpSpPr>
         <p:cNvPr id="1" name=""/>
@@ -17484,13 +17603,19 @@
             <p:ph type="title"/>
           </p:nvPr>
         </p:nvSpPr>
-        <p:spPr/>
+        <p:spPr>
+          <a:xfrm>
+            <a:off x="476249" y="1019812"/>
+            <a:ext cx="3171825" cy="1325563"/>
+          </a:xfrm>
+        </p:spPr>
         <p:txBody>
           <a:bodyPr/>
           <a:lstStyle/>
           <a:p>
             <a:r>
-              <a:t>Literature Review</a:t>
+              <a:rPr dirty="0"/>
+              <a:t>Methodology</a:t>
             </a:r>
           </a:p>
         </p:txBody>
@@ -17505,17 +17630,120 @@
             <p:ph idx="1"/>
           </p:nvPr>
         </p:nvSpPr>
-        <p:spPr/>
+        <p:spPr>
+          <a:xfrm>
+            <a:off x="476249" y="2487929"/>
+            <a:ext cx="3971926" cy="2236471"/>
+          </a:xfrm>
+        </p:spPr>
         <p:txBody>
           <a:bodyPr/>
           <a:lstStyle/>
           <a:p>
             <a:r>
-              <a:t>Analysis of seven research papers to understand various sensor fusion techniques, ranging from autonomous car innovation to deep learning sensor fusion for autonomous vehicle perception and localization.</a:t>
-            </a:r>
-          </a:p>
-        </p:txBody>
-      </p:sp>
+              <a:rPr dirty="0"/>
+              <a:t>Selection of Lidar for its accuracy, paired with Radar, Camera, Ultrasonic, Infrared, and </a:t>
+            </a:r>
+            <a:r>
+              <a:rPr lang="en-IN" dirty="0"/>
+              <a:t>Inertial measurement sensors(IMU), GPS,</a:t>
+            </a:r>
+            <a:r>
+              <a:rPr dirty="0"/>
+              <a:t> sensors. Use of Python libraries for simulation and visualization, and exploration of early-fusion, deep-fusion, and late-fusion techniques.</a:t>
+            </a:r>
+          </a:p>
+        </p:txBody>
+      </p:sp>
+      <p:pic>
+        <p:nvPicPr>
+          <p:cNvPr id="5" name="Picture 4">
+            <a:extLst>
+              <a:ext uri="{FF2B5EF4-FFF2-40B4-BE49-F238E27FC236}">
+                <a16:creationId xmlns:a16="http://schemas.microsoft.com/office/drawing/2014/main" id="{FA0C9497-D209-9114-2D32-C03A06C438BC}"/>
+              </a:ext>
+            </a:extLst>
+          </p:cNvPr>
+          <p:cNvPicPr>
+            <a:picLocks noChangeAspect="1"/>
+          </p:cNvPicPr>
+          <p:nvPr/>
+        </p:nvPicPr>
+        <p:blipFill>
+          <a:blip r:embed="rId2"/>
+          <a:stretch>
+            <a:fillRect/>
+          </a:stretch>
+        </p:blipFill>
+        <p:spPr>
+          <a:xfrm>
+            <a:off x="904874" y="286070"/>
+            <a:ext cx="5380775" cy="1467484"/>
+          </a:xfrm>
+          <a:prstGeom prst="rect">
+            <a:avLst/>
+          </a:prstGeom>
+        </p:spPr>
+      </p:pic>
+      <p:pic>
+        <p:nvPicPr>
+          <p:cNvPr id="9" name="Picture 8">
+            <a:extLst>
+              <a:ext uri="{FF2B5EF4-FFF2-40B4-BE49-F238E27FC236}">
+                <a16:creationId xmlns:a16="http://schemas.microsoft.com/office/drawing/2014/main" id="{E52F5791-8F25-0E2D-6610-BE4294974103}"/>
+              </a:ext>
+            </a:extLst>
+          </p:cNvPr>
+          <p:cNvPicPr>
+            <a:picLocks noChangeAspect="1"/>
+          </p:cNvPicPr>
+          <p:nvPr/>
+        </p:nvPicPr>
+        <p:blipFill>
+          <a:blip r:embed="rId3"/>
+          <a:stretch>
+            <a:fillRect/>
+          </a:stretch>
+        </p:blipFill>
+        <p:spPr>
+          <a:xfrm>
+            <a:off x="5410485" y="1899432"/>
+            <a:ext cx="5615946" cy="2018981"/>
+          </a:xfrm>
+          <a:prstGeom prst="rect">
+            <a:avLst/>
+          </a:prstGeom>
+        </p:spPr>
+      </p:pic>
+      <p:pic>
+        <p:nvPicPr>
+          <p:cNvPr id="13" name="Picture 12">
+            <a:extLst>
+              <a:ext uri="{FF2B5EF4-FFF2-40B4-BE49-F238E27FC236}">
+                <a16:creationId xmlns:a16="http://schemas.microsoft.com/office/drawing/2014/main" id="{5B2048D9-6BAE-03A3-B4B9-08D78A88EFCE}"/>
+              </a:ext>
+            </a:extLst>
+          </p:cNvPr>
+          <p:cNvPicPr>
+            <a:picLocks noChangeAspect="1"/>
+          </p:cNvPicPr>
+          <p:nvPr/>
+        </p:nvPicPr>
+        <p:blipFill rotWithShape="1">
+          <a:blip r:embed="rId4"/>
+          <a:srcRect t="4204"/>
+          <a:stretch/>
+        </p:blipFill>
+        <p:spPr>
+          <a:xfrm>
+            <a:off x="6740913" y="4552950"/>
+            <a:ext cx="4285518" cy="2018981"/>
+          </a:xfrm>
+          <a:prstGeom prst="rect">
+            <a:avLst/>
+          </a:prstGeom>
+        </p:spPr>
+      </p:pic>
     </p:spTree>
   </p:cSld>
   <p:clrMapOvr>
@@ -17525,8 +17753,34 @@
 </file>
 
 <file path=ppt/slides/slide5.xml><?xml version="1.0" encoding="utf-8"?>
-<p:sld xmlns:a="http://schemas.openxmlformats.org/drawingml/2006/main" xmlns:r="http://schemas.openxmlformats.org/officeDocument/2006/relationships" xmlns:p="http://schemas.openxmlformats.org/presentationml/2006/main">
+<p:sld xmlns:a="http://schemas.openxmlformats.org/drawingml/2006/main" xmlns:r="http://schemas.openxmlformats.org/officeDocument/2006/relationships" xmlns:p="http://schemas.openxmlformats.org/presentationml/2006/main" showMasterSp="0">
   <p:cSld>
+    <p:bg>
+      <p:bgPr>
+        <a:gradFill flip="none" rotWithShape="1">
+          <a:gsLst>
+            <a:gs pos="0">
+              <a:schemeClr val="accent4">
+                <a:lumMod val="0"/>
+                <a:lumOff val="100000"/>
+              </a:schemeClr>
+            </a:gs>
+            <a:gs pos="37000">
+              <a:schemeClr val="accent4">
+                <a:lumMod val="0"/>
+                <a:lumOff val="100000"/>
+              </a:schemeClr>
+            </a:gs>
+            <a:gs pos="83000">
+              <a:srgbClr val="0070C0"/>
+            </a:gs>
+          </a:gsLst>
+          <a:lin ang="2700000" scaled="1"/>
+          <a:tileRect/>
+        </a:gradFill>
+        <a:effectLst/>
+      </p:bgPr>
+    </p:bg>
     <p:spTree>
       <p:nvGrpSpPr>
         <p:cNvPr id="1" name=""/>
@@ -17551,13 +17805,19 @@
             <p:ph type="title"/>
           </p:nvPr>
         </p:nvSpPr>
-        <p:spPr/>
+        <p:spPr>
+          <a:xfrm>
+            <a:off x="1333499" y="1020445"/>
+            <a:ext cx="3372972" cy="1325563"/>
+          </a:xfrm>
+        </p:spPr>
         <p:txBody>
           <a:bodyPr/>
           <a:lstStyle/>
           <a:p>
             <a:r>
-              <a:t>Methodology</a:t>
+              <a:rPr dirty="0"/>
+              <a:t>Implementation Plan</a:t>
             </a:r>
           </a:p>
         </p:txBody>
@@ -17572,13 +17832,247 @@
             <p:ph idx="1"/>
           </p:nvPr>
         </p:nvSpPr>
-        <p:spPr/>
+        <p:spPr>
+          <a:xfrm>
+            <a:off x="1067921" y="4913312"/>
+            <a:ext cx="6342529" cy="1325563"/>
+          </a:xfrm>
+        </p:spPr>
         <p:txBody>
           <a:bodyPr/>
           <a:lstStyle/>
           <a:p>
             <a:r>
-              <a:t>Selection of Lidar for its accuracy, paired with Radar, Camera, Ultrasonic, Infrared, and IMU sensors. Use of Python libraries for simulation and visualization, and exploration of early-fusion, deep-fusion, and late-fusion techniques.</a:t>
+              <a:rPr dirty="0"/>
+              <a:t>Timeline includes project setup, simulation environment construction, sensor data fusion development, testing, refinement, analysis, and documentation. Risk management strategies for potential incompatibilities, limited testing time, and software issues.</a:t>
+            </a:r>
+          </a:p>
+        </p:txBody>
+      </p:sp>
+      <p:sp>
+        <p:nvSpPr>
+          <p:cNvPr id="6" name="Content Placeholder 2">
+            <a:extLst>
+              <a:ext uri="{FF2B5EF4-FFF2-40B4-BE49-F238E27FC236}">
+                <a16:creationId xmlns:a16="http://schemas.microsoft.com/office/drawing/2014/main" id="{9671A297-1D46-CD1E-6D01-6151AAC5DEA5}"/>
+              </a:ext>
+            </a:extLst>
+          </p:cNvPr>
+          <p:cNvSpPr txBox="1">
+            <a:spLocks/>
+          </p:cNvSpPr>
+          <p:nvPr/>
+        </p:nvSpPr>
+        <p:spPr>
+          <a:xfrm>
+            <a:off x="1067921" y="2581275"/>
+            <a:ext cx="5380775" cy="2519363"/>
+          </a:xfrm>
+          <a:prstGeom prst="rect">
+            <a:avLst/>
+          </a:prstGeom>
+        </p:spPr>
+        <p:txBody>
+          <a:bodyPr vert="horz" lIns="91440" tIns="45720" rIns="91440" bIns="45720" rtlCol="0">
+            <a:normAutofit/>
+          </a:bodyPr>
+          <a:lstStyle>
+            <a:lvl1pPr marL="0" indent="0" algn="l" defTabSz="914400" rtl="0" eaLnBrk="1" latinLnBrk="0" hangingPunct="1">
+              <a:lnSpc>
+                <a:spcPct val="120000"/>
+              </a:lnSpc>
+              <a:spcBef>
+                <a:spcPts val="1000"/>
+              </a:spcBef>
+              <a:buFont typeface="Arial" panose="020B0604020202020204" pitchFamily="34" charset="0"/>
+              <a:buNone/>
+              <a:defRPr sz="1400" kern="1200">
+                <a:solidFill>
+                  <a:schemeClr val="tx1">
+                    <a:lumMod val="75000"/>
+                    <a:lumOff val="25000"/>
+                  </a:schemeClr>
+                </a:solidFill>
+                <a:latin typeface="+mn-lt"/>
+                <a:ea typeface="+mn-ea"/>
+                <a:cs typeface="+mn-cs"/>
+              </a:defRPr>
+            </a:lvl1pPr>
+            <a:lvl2pPr marL="457200" indent="0" algn="l" defTabSz="914400" rtl="0" eaLnBrk="1" latinLnBrk="0" hangingPunct="1">
+              <a:lnSpc>
+                <a:spcPct val="120000"/>
+              </a:lnSpc>
+              <a:spcBef>
+                <a:spcPts val="1000"/>
+              </a:spcBef>
+              <a:buFont typeface="Arial" panose="020B0604020202020204" pitchFamily="34" charset="0"/>
+              <a:buNone/>
+              <a:defRPr sz="1400" kern="1200">
+                <a:solidFill>
+                  <a:schemeClr val="tx1">
+                    <a:lumMod val="75000"/>
+                    <a:lumOff val="25000"/>
+                  </a:schemeClr>
+                </a:solidFill>
+                <a:latin typeface="+mn-lt"/>
+                <a:ea typeface="+mn-ea"/>
+                <a:cs typeface="+mn-cs"/>
+              </a:defRPr>
+            </a:lvl2pPr>
+            <a:lvl3pPr marL="914400" indent="0" algn="l" defTabSz="914400" rtl="0" eaLnBrk="1" latinLnBrk="0" hangingPunct="1">
+              <a:lnSpc>
+                <a:spcPct val="120000"/>
+              </a:lnSpc>
+              <a:spcBef>
+                <a:spcPts val="1000"/>
+              </a:spcBef>
+              <a:buFont typeface="Arial" panose="020B0604020202020204" pitchFamily="34" charset="0"/>
+              <a:buNone/>
+              <a:defRPr sz="1400" kern="1200">
+                <a:solidFill>
+                  <a:schemeClr val="tx1">
+                    <a:lumMod val="75000"/>
+                    <a:lumOff val="25000"/>
+                  </a:schemeClr>
+                </a:solidFill>
+                <a:latin typeface="+mn-lt"/>
+                <a:ea typeface="+mn-ea"/>
+                <a:cs typeface="+mn-cs"/>
+              </a:defRPr>
+            </a:lvl3pPr>
+            <a:lvl4pPr marL="1371600" indent="0" algn="l" defTabSz="914400" rtl="0" eaLnBrk="1" latinLnBrk="0" hangingPunct="1">
+              <a:lnSpc>
+                <a:spcPct val="120000"/>
+              </a:lnSpc>
+              <a:spcBef>
+                <a:spcPts val="1000"/>
+              </a:spcBef>
+              <a:buFont typeface="Arial" panose="020B0604020202020204" pitchFamily="34" charset="0"/>
+              <a:buNone/>
+              <a:defRPr sz="1400" kern="1200">
+                <a:solidFill>
+                  <a:schemeClr val="tx1">
+                    <a:lumMod val="75000"/>
+                    <a:lumOff val="25000"/>
+                  </a:schemeClr>
+                </a:solidFill>
+                <a:latin typeface="+mn-lt"/>
+                <a:ea typeface="+mn-ea"/>
+                <a:cs typeface="+mn-cs"/>
+              </a:defRPr>
+            </a:lvl4pPr>
+            <a:lvl5pPr marL="1828800" indent="0" algn="l" defTabSz="914400" rtl="0" eaLnBrk="1" latinLnBrk="0" hangingPunct="1">
+              <a:lnSpc>
+                <a:spcPct val="120000"/>
+              </a:lnSpc>
+              <a:spcBef>
+                <a:spcPts val="1000"/>
+              </a:spcBef>
+              <a:buFont typeface="Arial" panose="020B0604020202020204" pitchFamily="34" charset="0"/>
+              <a:buNone/>
+              <a:defRPr sz="1400" kern="1200">
+                <a:solidFill>
+                  <a:schemeClr val="tx1">
+                    <a:lumMod val="75000"/>
+                    <a:lumOff val="25000"/>
+                  </a:schemeClr>
+                </a:solidFill>
+                <a:latin typeface="+mn-lt"/>
+                <a:ea typeface="+mn-ea"/>
+                <a:cs typeface="+mn-cs"/>
+              </a:defRPr>
+            </a:lvl5pPr>
+            <a:lvl6pPr marL="2514600" indent="-228600" algn="l" defTabSz="914400" rtl="0" eaLnBrk="1" latinLnBrk="0" hangingPunct="1">
+              <a:lnSpc>
+                <a:spcPct val="90000"/>
+              </a:lnSpc>
+              <a:spcBef>
+                <a:spcPts val="500"/>
+              </a:spcBef>
+              <a:buFont typeface="Arial" panose="020B0604020202020204" pitchFamily="34" charset="0"/>
+              <a:buChar char="•"/>
+              <a:defRPr sz="1800" kern="1200">
+                <a:solidFill>
+                  <a:schemeClr val="tx1"/>
+                </a:solidFill>
+                <a:latin typeface="+mn-lt"/>
+                <a:ea typeface="+mn-ea"/>
+                <a:cs typeface="+mn-cs"/>
+              </a:defRPr>
+            </a:lvl6pPr>
+            <a:lvl7pPr marL="2971800" indent="-228600" algn="l" defTabSz="914400" rtl="0" eaLnBrk="1" latinLnBrk="0" hangingPunct="1">
+              <a:lnSpc>
+                <a:spcPct val="90000"/>
+              </a:lnSpc>
+              <a:spcBef>
+                <a:spcPts val="500"/>
+              </a:spcBef>
+              <a:buFont typeface="Arial" panose="020B0604020202020204" pitchFamily="34" charset="0"/>
+              <a:buChar char="•"/>
+              <a:defRPr sz="1800" kern="1200">
+                <a:solidFill>
+                  <a:schemeClr val="tx1"/>
+                </a:solidFill>
+                <a:latin typeface="+mn-lt"/>
+                <a:ea typeface="+mn-ea"/>
+                <a:cs typeface="+mn-cs"/>
+              </a:defRPr>
+            </a:lvl7pPr>
+            <a:lvl8pPr marL="3429000" indent="-228600" algn="l" defTabSz="914400" rtl="0" eaLnBrk="1" latinLnBrk="0" hangingPunct="1">
+              <a:lnSpc>
+                <a:spcPct val="90000"/>
+              </a:lnSpc>
+              <a:spcBef>
+                <a:spcPts val="500"/>
+              </a:spcBef>
+              <a:buFont typeface="Arial" panose="020B0604020202020204" pitchFamily="34" charset="0"/>
+              <a:buChar char="•"/>
+              <a:defRPr sz="1800" kern="1200">
+                <a:solidFill>
+                  <a:schemeClr val="tx1"/>
+                </a:solidFill>
+                <a:latin typeface="+mn-lt"/>
+                <a:ea typeface="+mn-ea"/>
+                <a:cs typeface="+mn-cs"/>
+              </a:defRPr>
+            </a:lvl8pPr>
+            <a:lvl9pPr marL="3886200" indent="-228600" algn="l" defTabSz="914400" rtl="0" eaLnBrk="1" latinLnBrk="0" hangingPunct="1">
+              <a:lnSpc>
+                <a:spcPct val="90000"/>
+              </a:lnSpc>
+              <a:spcBef>
+                <a:spcPts val="500"/>
+              </a:spcBef>
+              <a:buFont typeface="Arial" panose="020B0604020202020204" pitchFamily="34" charset="0"/>
+              <a:buChar char="•"/>
+              <a:defRPr sz="1800" kern="1200">
+                <a:solidFill>
+                  <a:schemeClr val="tx1"/>
+                </a:solidFill>
+                <a:latin typeface="+mn-lt"/>
+                <a:ea typeface="+mn-ea"/>
+                <a:cs typeface="+mn-cs"/>
+              </a:defRPr>
+            </a:lvl9pPr>
+          </a:lstStyle>
+          <a:p>
+            <a:pPr algn="l"/>
+            <a:r>
+              <a:rPr lang="en-US" b="0" i="0" dirty="0">
+                <a:effectLst/>
+                <a:latin typeface="-apple-system"/>
+              </a:rPr>
+              <a:t>First, we need to find the coordinates of one 2D point on the image and the coordinates of the 3D point from the points cloud generated by the LiDAR scanner.</a:t>
+            </a:r>
+          </a:p>
+          <a:p>
+            <a:pPr algn="l"/>
+            <a:r>
+              <a:rPr lang="en-US" b="0" i="0" dirty="0">
+                <a:effectLst/>
+                <a:latin typeface="-apple-system"/>
+              </a:rPr>
+              <a:t>To apply sensor fusion techniques, what we need to do is to select the points that are visible in the image, convert them from the LiDAR frame to the Camera Frame, and finally find a way to project the points from the Camera Frame to the Image Frame.</a:t>
             </a:r>
           </a:p>
         </p:txBody>
@@ -17592,8 +18086,34 @@
 </file>
 
 <file path=ppt/slides/slide6.xml><?xml version="1.0" encoding="utf-8"?>
-<p:sld xmlns:a="http://schemas.openxmlformats.org/drawingml/2006/main" xmlns:r="http://schemas.openxmlformats.org/officeDocument/2006/relationships" xmlns:p="http://schemas.openxmlformats.org/presentationml/2006/main">
+<p:sld xmlns:a="http://schemas.openxmlformats.org/drawingml/2006/main" xmlns:r="http://schemas.openxmlformats.org/officeDocument/2006/relationships" xmlns:p="http://schemas.openxmlformats.org/presentationml/2006/main" showMasterSp="0">
   <p:cSld>
+    <p:bg>
+      <p:bgPr>
+        <a:gradFill flip="none" rotWithShape="1">
+          <a:gsLst>
+            <a:gs pos="0">
+              <a:schemeClr val="accent4">
+                <a:lumMod val="0"/>
+                <a:lumOff val="100000"/>
+              </a:schemeClr>
+            </a:gs>
+            <a:gs pos="37000">
+              <a:schemeClr val="accent4">
+                <a:lumMod val="0"/>
+                <a:lumOff val="100000"/>
+              </a:schemeClr>
+            </a:gs>
+            <a:gs pos="83000">
+              <a:srgbClr val="0070C0"/>
+            </a:gs>
+          </a:gsLst>
+          <a:lin ang="2700000" scaled="1"/>
+          <a:tileRect/>
+        </a:gradFill>
+        <a:effectLst/>
+      </p:bgPr>
+    </p:bg>
     <p:spTree>
       <p:nvGrpSpPr>
         <p:cNvPr id="1" name=""/>
@@ -17618,19 +18138,13 @@
             <p:ph type="title"/>
           </p:nvPr>
         </p:nvSpPr>
-        <p:spPr>
-          <a:xfrm>
-            <a:off x="1333499" y="1020445"/>
-            <a:ext cx="3372972" cy="1325563"/>
-          </a:xfrm>
-        </p:spPr>
+        <p:spPr/>
         <p:txBody>
           <a:bodyPr/>
           <a:lstStyle/>
           <a:p>
             <a:r>
-              <a:rPr dirty="0"/>
-              <a:t>Implementation Plan</a:t>
+              <a:t>Expected Results</a:t>
             </a:r>
           </a:p>
         </p:txBody>
@@ -17651,7 +18165,7 @@
           <a:lstStyle/>
           <a:p>
             <a:r>
-              <a:t>Timeline includes project setup, simulation environment construction, sensor data fusion development, testing, refinement, analysis, and documentation. Risk management strategies for potential incompatibilities, limited testing time, and software issues.</a:t>
+              <a:t>Anticipation of increased accuracy in object detection and decision-making process improvements for autonomous vehicles. Evaluation of object detection speed and coverage.</a:t>
             </a:r>
           </a:p>
         </p:txBody>
@@ -17665,8 +18179,34 @@
 </file>
 
 <file path=ppt/slides/slide7.xml><?xml version="1.0" encoding="utf-8"?>
-<p:sld xmlns:a="http://schemas.openxmlformats.org/drawingml/2006/main" xmlns:r="http://schemas.openxmlformats.org/officeDocument/2006/relationships" xmlns:p="http://schemas.openxmlformats.org/presentationml/2006/main">
+<p:sld xmlns:a="http://schemas.openxmlformats.org/drawingml/2006/main" xmlns:r="http://schemas.openxmlformats.org/officeDocument/2006/relationships" xmlns:p="http://schemas.openxmlformats.org/presentationml/2006/main" showMasterSp="0">
   <p:cSld>
+    <p:bg>
+      <p:bgPr>
+        <a:gradFill flip="none" rotWithShape="1">
+          <a:gsLst>
+            <a:gs pos="0">
+              <a:schemeClr val="accent4">
+                <a:lumMod val="0"/>
+                <a:lumOff val="100000"/>
+              </a:schemeClr>
+            </a:gs>
+            <a:gs pos="37000">
+              <a:schemeClr val="accent4">
+                <a:lumMod val="0"/>
+                <a:lumOff val="100000"/>
+              </a:schemeClr>
+            </a:gs>
+            <a:gs pos="83000">
+              <a:srgbClr val="0070C0"/>
+            </a:gs>
+          </a:gsLst>
+          <a:lin ang="2700000" scaled="1"/>
+          <a:tileRect/>
+        </a:gradFill>
+        <a:effectLst/>
+      </p:bgPr>
+    </p:bg>
     <p:spTree>
       <p:nvGrpSpPr>
         <p:cNvPr id="1" name=""/>
@@ -17697,7 +18237,7 @@
           <a:lstStyle/>
           <a:p>
             <a:r>
-              <a:t>Expected Results</a:t>
+              <a:t>Conclusion</a:t>
             </a:r>
           </a:p>
         </p:txBody>
@@ -17718,7 +18258,8 @@
           <a:lstStyle/>
           <a:p>
             <a:r>
-              <a:t>Anticipation of increased accuracy in object detection and decision-making process improvements for autonomous vehicles. Evaluation of object detection speed and coverage.</a:t>
+              <a:rPr dirty="0"/>
+              <a:t>The goal is to utilize sensor fusion to enhance Lidar's accuracy for better object and threat detection, and to identify the most effective sensor fusion algorithms.</a:t>
             </a:r>
           </a:p>
         </p:txBody>
@@ -17732,8 +18273,34 @@
 </file>
 
 <file path=ppt/slides/slide8.xml><?xml version="1.0" encoding="utf-8"?>
-<p:sld xmlns:a="http://schemas.openxmlformats.org/drawingml/2006/main" xmlns:r="http://schemas.openxmlformats.org/officeDocument/2006/relationships" xmlns:p="http://schemas.openxmlformats.org/presentationml/2006/main">
+<p:sld xmlns:a="http://schemas.openxmlformats.org/drawingml/2006/main" xmlns:r="http://schemas.openxmlformats.org/officeDocument/2006/relationships" xmlns:p="http://schemas.openxmlformats.org/presentationml/2006/main" showMasterSp="0">
   <p:cSld>
+    <p:bg>
+      <p:bgPr>
+        <a:gradFill flip="none" rotWithShape="1">
+          <a:gsLst>
+            <a:gs pos="0">
+              <a:schemeClr val="accent4">
+                <a:lumMod val="0"/>
+                <a:lumOff val="100000"/>
+              </a:schemeClr>
+            </a:gs>
+            <a:gs pos="37000">
+              <a:schemeClr val="accent4">
+                <a:lumMod val="0"/>
+                <a:lumOff val="100000"/>
+              </a:schemeClr>
+            </a:gs>
+            <a:gs pos="83000">
+              <a:srgbClr val="0070C0"/>
+            </a:gs>
+          </a:gsLst>
+          <a:lin ang="2700000" scaled="1"/>
+          <a:tileRect/>
+        </a:gradFill>
+        <a:effectLst/>
+      </p:bgPr>
+    </p:bg>
     <p:spTree>
       <p:nvGrpSpPr>
         <p:cNvPr id="1" name=""/>
@@ -17750,73 +18317,6 @@
       </p:grpSpPr>
       <p:sp>
         <p:nvSpPr>
-          <p:cNvPr id="2" name="Title 1"/>
-          <p:cNvSpPr>
-            <a:spLocks noGrp="1"/>
-          </p:cNvSpPr>
-          <p:nvPr>
-            <p:ph type="title"/>
-          </p:nvPr>
-        </p:nvSpPr>
-        <p:spPr/>
-        <p:txBody>
-          <a:bodyPr/>
-          <a:lstStyle/>
-          <a:p>
-            <a:r>
-              <a:t>Conclusion</a:t>
-            </a:r>
-          </a:p>
-        </p:txBody>
-      </p:sp>
-      <p:sp>
-        <p:nvSpPr>
-          <p:cNvPr id="3" name="Content Placeholder 2"/>
-          <p:cNvSpPr>
-            <a:spLocks noGrp="1"/>
-          </p:cNvSpPr>
-          <p:nvPr>
-            <p:ph idx="1"/>
-          </p:nvPr>
-        </p:nvSpPr>
-        <p:spPr/>
-        <p:txBody>
-          <a:bodyPr/>
-          <a:lstStyle/>
-          <a:p>
-            <a:r>
-              <a:t>The goal is to utilize sensor fusion to enhance Lidar's accuracy for better object and threat detection, and to identify the most effective sensor fusion algorithms.</a:t>
-            </a:r>
-          </a:p>
-        </p:txBody>
-      </p:sp>
-    </p:spTree>
-  </p:cSld>
-  <p:clrMapOvr>
-    <a:masterClrMapping/>
-  </p:clrMapOvr>
-</p:sld>
-</file>
-
-<file path=ppt/slides/slide9.xml><?xml version="1.0" encoding="utf-8"?>
-<p:sld xmlns:a="http://schemas.openxmlformats.org/drawingml/2006/main" xmlns:r="http://schemas.openxmlformats.org/officeDocument/2006/relationships" xmlns:p="http://schemas.openxmlformats.org/presentationml/2006/main">
-  <p:cSld>
-    <p:spTree>
-      <p:nvGrpSpPr>
-        <p:cNvPr id="1" name=""/>
-        <p:cNvGrpSpPr/>
-        <p:nvPr/>
-      </p:nvGrpSpPr>
-      <p:grpSpPr>
-        <a:xfrm>
-          <a:off x="0" y="0"/>
-          <a:ext cx="0" cy="0"/>
-          <a:chOff x="0" y="0"/>
-          <a:chExt cx="0" cy="0"/>
-        </a:xfrm>
-      </p:grpSpPr>
-      <p:sp>
-        <p:nvSpPr>
           <p:cNvPr id="2" name="Title 1">
             <a:extLst>
               <a:ext uri="{FF2B5EF4-FFF2-40B4-BE49-F238E27FC236}">
@@ -17868,13 +18368,13 @@
         </p:nvSpPr>
         <p:spPr>
           <a:xfrm>
-            <a:off x="1140092" y="1111624"/>
-            <a:ext cx="7008826" cy="5020235"/>
+            <a:off x="1140091" y="1111624"/>
+            <a:ext cx="9461233" cy="5020235"/>
           </a:xfrm>
         </p:spPr>
         <p:txBody>
           <a:bodyPr>
-            <a:normAutofit fontScale="92500"/>
+            <a:noAutofit/>
           </a:bodyPr>
           <a:lstStyle/>
           <a:p>
@@ -17999,10 +18499,9 @@
           <a:lstStyle/>
           <a:p>
             <a:r>
-              <a:rPr lang="en-US"/>
-              <a:t>20XX</a:t>
-            </a:r>
-            <a:endParaRPr lang="en-US" dirty="0"/>
+              <a:rPr lang="en-US" dirty="0"/>
+              <a:t>2023	</a:t>
+            </a:r>
           </a:p>
         </p:txBody>
       </p:sp>
@@ -18028,10 +18527,9 @@
           <a:lstStyle/>
           <a:p>
             <a:r>
-              <a:rPr lang="en-US"/>
-              <a:t>Pitch Deck</a:t>
-            </a:r>
-            <a:endParaRPr lang="en-US" dirty="0"/>
+              <a:rPr lang="en-US" dirty="0"/>
+              <a:t>Gaurav Surtani</a:t>
+            </a:r>
           </a:p>
         </p:txBody>
       </p:sp>
@@ -18058,7 +18556,7 @@
           <a:p>
             <a:fld id="{B5CEABB6-07DC-46E8-9B57-56EC44A396E5}" type="slidenum">
               <a:rPr lang="en-US" smtClean="0"/>
-              <a:t>9</a:t>
+              <a:t>8</a:t>
             </a:fld>
             <a:endParaRPr lang="en-US" dirty="0"/>
           </a:p>
@@ -18869,6 +19367,15 @@
 </file>
 
 <file path=customXml/item1.xml><?xml version="1.0" encoding="utf-8"?>
+<?mso-contentType ?>
+<FormTemplates xmlns="http://schemas.microsoft.com/sharepoint/v3/contenttype/forms">
+  <Display>DocumentLibraryForm</Display>
+  <Edit>DocumentLibraryForm</Edit>
+  <New>DocumentLibraryForm</New>
+</FormTemplates>
+</file>
+
+<file path=customXml/item2.xml><?xml version="1.0" encoding="utf-8"?>
 <ct:contentTypeSchema xmlns:ct="http://schemas.microsoft.com/office/2006/metadata/contentType" xmlns:ma="http://schemas.microsoft.com/office/2006/metadata/properties/metaAttributes" ct:_="" ma:_="" ma:contentTypeName="Document" ma:contentTypeID="0x01010079F111ED35F8CC479449609E8A0923A6" ma:contentTypeVersion="27" ma:contentTypeDescription="Create a new document." ma:contentTypeScope="" ma:versionID="c6f9a84f66a9c8b9a21755b9ffafb945">
   <xsd:schema xmlns:xsd="http://www.w3.org/2001/XMLSchema" xmlns:xs="http://www.w3.org/2001/XMLSchema" xmlns:p="http://schemas.microsoft.com/office/2006/metadata/properties" xmlns:ns1="http://schemas.microsoft.com/sharepoint/v3" xmlns:ns2="71af3243-3dd4-4a8d-8c0d-dd76da1f02a5" xmlns:ns3="16c05727-aa75-4e4a-9b5f-8a80a1165891" xmlns:ns4="230e9df3-be65-4c73-a93b-d1236ebd677e" targetNamespace="http://schemas.microsoft.com/office/2006/metadata/properties" ma:root="true" ma:fieldsID="27df39e3e7036dff54f89ddd5805ce72" ns1:_="" ns2:_="" ns3:_="" ns4:_="">
     <xsd:import namespace="http://schemas.microsoft.com/sharepoint/v3"/>
@@ -19174,15 +19681,6 @@
 </ct:contentTypeSchema>
 </file>
 
-<file path=customXml/item2.xml><?xml version="1.0" encoding="utf-8"?>
-<?mso-contentType ?>
-<FormTemplates xmlns="http://schemas.microsoft.com/sharepoint/v3/contenttype/forms">
-  <Display>DocumentLibraryForm</Display>
-  <Edit>DocumentLibraryForm</Edit>
-  <New>DocumentLibraryForm</New>
-</FormTemplates>
-</file>
-
 <file path=customXml/item3.xml><?xml version="1.0" encoding="utf-8"?>
 <p:properties xmlns:p="http://schemas.microsoft.com/office/2006/metadata/properties" xmlns:xsi="http://www.w3.org/2001/XMLSchema-instance" xmlns:pc="http://schemas.microsoft.com/office/infopath/2007/PartnerControls">
   <documentManagement>
@@ -19204,6 +19702,14 @@
 </file>
 
 <file path=customXml/itemProps1.xml><?xml version="1.0" encoding="utf-8"?>
+<ds:datastoreItem xmlns:ds="http://schemas.openxmlformats.org/officeDocument/2006/customXml" ds:itemID="{6C8B084D-D430-4822-B3CB-DEADB2E7A5FC}">
+  <ds:schemaRefs>
+    <ds:schemaRef ds:uri="http://schemas.microsoft.com/sharepoint/v3/contenttype/forms"/>
+  </ds:schemaRefs>
+</ds:datastoreItem>
+</file>
+
+<file path=customXml/itemProps2.xml><?xml version="1.0" encoding="utf-8"?>
 <ds:datastoreItem xmlns:ds="http://schemas.openxmlformats.org/officeDocument/2006/customXml" ds:itemID="{15BFCE94-6EC9-4D8E-89B6-C22DE7AD70CB}">
   <ds:schemaRefs>
     <ds:schemaRef ds:uri="http://schemas.microsoft.com/office/2006/metadata/contentType"/>
@@ -19224,14 +19730,6 @@
 </ds:datastoreItem>
 </file>
 
-<file path=customXml/itemProps2.xml><?xml version="1.0" encoding="utf-8"?>
-<ds:datastoreItem xmlns:ds="http://schemas.openxmlformats.org/officeDocument/2006/customXml" ds:itemID="{6C8B084D-D430-4822-B3CB-DEADB2E7A5FC}">
-  <ds:schemaRefs>
-    <ds:schemaRef ds:uri="http://schemas.microsoft.com/sharepoint/v3/contenttype/forms"/>
-  </ds:schemaRefs>
-</ds:datastoreItem>
-</file>
-
 <file path=customXml/itemProps3.xml><?xml version="1.0" encoding="utf-8"?>
 <ds:datastoreItem xmlns:ds="http://schemas.openxmlformats.org/officeDocument/2006/customXml" ds:itemID="{211845F9-C5F4-4AA5-BA9E-EC2182E91488}">
   <ds:schemaRefs>
